--- a/docs/презентация.pptx
+++ b/docs/презентация.pptx
@@ -3618,8 +3618,8 @@
         </p:nvSpPr>
         <p:spPr>
           <a:xfrm>
-            <a:off x="486157" y="5822587"/>
-            <a:ext cx="6766899" cy="803185"/>
+            <a:off x="486157" y="4973053"/>
+            <a:ext cx="5698749" cy="1652720"/>
           </a:xfrm>
           <a:prstGeom prst="rect">
             <a:avLst/>
@@ -3650,21 +3650,50 @@
           </a:lstStyle>
           <a:p>
             <a:r>
-              <a:rPr lang="ru-RU" sz="2800" dirty="0"/>
-              <a:t>Разработчик</a:t>
-            </a:r>
-            <a:r>
-              <a:rPr lang="en-US" sz="2800" dirty="0"/>
-              <a:t>: </a:t>
-            </a:r>
-            <a:r>
-              <a:rPr lang="ru-RU" sz="2800" dirty="0" err="1"/>
+              <a:rPr lang="ru-RU" sz="2400" dirty="0"/>
+              <a:t>Руководитель:</a:t>
+            </a:r>
+          </a:p>
+          <a:p>
+            <a:r>
+              <a:rPr lang="ru-RU" sz="2400" dirty="0"/>
+              <a:t>Старший преподаватель кафедры МЦТ</a:t>
+            </a:r>
+          </a:p>
+          <a:p>
+            <a:r>
+              <a:rPr lang="ru-RU" sz="2400" dirty="0"/>
+              <a:t>И.В. Минина</a:t>
+            </a:r>
+          </a:p>
+          <a:p>
+            <a:r>
+              <a:rPr lang="ru-RU" sz="2400" dirty="0"/>
+              <a:t>Разработчики</a:t>
+            </a:r>
+            <a:r>
+              <a:rPr lang="en-US" sz="2400" dirty="0"/>
+              <a:t>:</a:t>
+            </a:r>
+          </a:p>
+          <a:p>
+            <a:r>
+              <a:rPr lang="en-US" sz="2400" dirty="0"/>
+              <a:t> </a:t>
+            </a:r>
+            <a:r>
+              <a:rPr lang="ru-RU" sz="2400" dirty="0"/>
+              <a:t>студент </a:t>
+            </a:r>
+            <a:r>
+              <a:rPr lang="ru-RU" sz="2400" dirty="0" err="1"/>
               <a:t>Синдерев</a:t>
             </a:r>
             <a:r>
-              <a:rPr lang="ru-RU" sz="2800" dirty="0"/>
-              <a:t> А.А.</a:t>
-            </a:r>
+              <a:rPr lang="ru-RU" sz="2400" dirty="0"/>
+              <a:t> А.А. 22ИСТ(АДМО) </a:t>
+            </a:r>
+            <a:endParaRPr lang="en-US" sz="2400" dirty="0"/>
           </a:p>
         </p:txBody>
       </p:sp>
@@ -4353,6 +4382,34 @@
           </a:p>
         </p:txBody>
       </p:sp>
+      <p:pic>
+        <p:nvPicPr>
+          <p:cNvPr id="6" name="Рисунок 5">
+            <a:extLst>
+              <a:ext uri="{FF2B5EF4-FFF2-40B4-BE49-F238E27FC236}">
+                <a16:creationId xmlns:a16="http://schemas.microsoft.com/office/drawing/2014/main" id="{E835FDF1-8E61-4EEA-9021-9C63123E044F}"/>
+              </a:ext>
+            </a:extLst>
+          </p:cNvPr>
+          <p:cNvPicPr/>
+          <p:nvPr/>
+        </p:nvPicPr>
+        <p:blipFill>
+          <a:blip r:embed="rId3"/>
+          <a:stretch>
+            <a:fillRect/>
+          </a:stretch>
+        </p:blipFill>
+        <p:spPr>
+          <a:xfrm>
+            <a:off x="3567363" y="190567"/>
+            <a:ext cx="5528511" cy="4638108"/>
+          </a:xfrm>
+          <a:prstGeom prst="rect">
+            <a:avLst/>
+          </a:prstGeom>
+        </p:spPr>
+      </p:pic>
     </p:spTree>
     <p:extLst>
       <p:ext uri="{BB962C8B-B14F-4D97-AF65-F5344CB8AC3E}">
@@ -4772,7 +4829,7 @@
         </p:blipFill>
         <p:spPr bwMode="auto">
           <a:xfrm rot="20732959">
-            <a:off x="4962934" y="1501120"/>
+            <a:off x="5053917" y="942404"/>
             <a:ext cx="4572000" cy="1562100"/>
           </a:xfrm>
           <a:prstGeom prst="rect">
@@ -4998,6 +5055,53 @@
           <a:prstGeom prst="rect">
             <a:avLst/>
           </a:prstGeom>
+        </p:spPr>
+      </p:pic>
+      <p:pic>
+        <p:nvPicPr>
+          <p:cNvPr id="10" name="Picture 2" descr="Picture background">
+            <a:extLst>
+              <a:ext uri="{FF2B5EF4-FFF2-40B4-BE49-F238E27FC236}">
+                <a16:creationId xmlns:a16="http://schemas.microsoft.com/office/drawing/2014/main" id="{3A8FDD7C-7312-4667-9C0C-7BFCD17C4D86}"/>
+              </a:ext>
+            </a:extLst>
+          </p:cNvPr>
+          <p:cNvPicPr>
+            <a:picLocks noChangeAspect="1" noChangeArrowheads="1"/>
+          </p:cNvPicPr>
+          <p:nvPr/>
+        </p:nvPicPr>
+        <p:blipFill>
+          <a:blip r:embed="rId9">
+            <a:extLst>
+              <a:ext uri="{28A0092B-C50C-407E-A947-70E740481C1C}">
+                <a14:useLocalDpi xmlns:a14="http://schemas.microsoft.com/office/drawing/2010/main" val="0"/>
+              </a:ext>
+            </a:extLst>
+          </a:blip>
+          <a:srcRect/>
+          <a:stretch>
+            <a:fillRect/>
+          </a:stretch>
+        </p:blipFill>
+        <p:spPr bwMode="auto">
+          <a:xfrm rot="21059770">
+            <a:off x="4268681" y="5533467"/>
+            <a:ext cx="4572000" cy="847725"/>
+          </a:xfrm>
+          <a:prstGeom prst="rect">
+            <a:avLst/>
+          </a:prstGeom>
+          <a:noFill/>
+          <a:extLst>
+            <a:ext uri="{909E8E84-426E-40DD-AFC4-6F175D3DCCD1}">
+              <a14:hiddenFill xmlns:a14="http://schemas.microsoft.com/office/drawing/2010/main">
+                <a:solidFill>
+                  <a:srgbClr val="FFFFFF"/>
+                </a:solidFill>
+              </a14:hiddenFill>
+            </a:ext>
+          </a:extLst>
         </p:spPr>
       </p:pic>
     </p:spTree>
